--- a/Session 1 - Intro/LVM session 1 slides.pptx
+++ b/Session 1 - Intro/LVM session 1 slides.pptx
@@ -251,7 +251,7 @@
           <a:p>
             <a:fld id="{4AC392F7-B2FD-4F12-BEF1-A6CA43868F28}" type="datetimeFigureOut">
               <a:rPr lang="nl-NL" smtClean="0"/>
-              <a:t>15-6-2025</a:t>
+              <a:t>16-6-2025</a:t>
             </a:fld>
             <a:endParaRPr lang="nl-NL"/>
           </a:p>
@@ -416,7 +416,7 @@
           <a:p>
             <a:fld id="{A3D5429D-9A42-4EDB-BD46-D0A422A7A56A}" type="datetimeFigureOut">
               <a:rPr lang="nl-NL" smtClean="0"/>
-              <a:t>15-6-2025</a:t>
+              <a:t>16-6-2025</a:t>
             </a:fld>
             <a:endParaRPr lang="nl-NL"/>
           </a:p>
@@ -1679,7 +1679,7 @@
           <a:p>
             <a:fld id="{B03A5334-8E86-408E-A399-410490853928}" type="datetime1">
               <a:rPr lang="nl-NL" smtClean="0"/>
-              <a:t>15-6-2025</a:t>
+              <a:t>16-6-2025</a:t>
             </a:fld>
             <a:endParaRPr lang="nl-NL"/>
           </a:p>
@@ -1869,7 +1869,7 @@
           <a:p>
             <a:fld id="{42DEE1FE-9AFF-429D-9D1D-6C3BB66AD0F7}" type="datetime1">
               <a:rPr lang="nl-NL" smtClean="0"/>
-              <a:t>15-6-2025</a:t>
+              <a:t>16-6-2025</a:t>
             </a:fld>
             <a:endParaRPr lang="nl-NL"/>
           </a:p>
@@ -2053,7 +2053,7 @@
           <a:p>
             <a:fld id="{6A3FAA61-3046-442D-8E8D-6492BC60A5F0}" type="datetime1">
               <a:rPr lang="nl-NL" smtClean="0"/>
-              <a:t>15-6-2025</a:t>
+              <a:t>16-6-2025</a:t>
             </a:fld>
             <a:endParaRPr lang="nl-NL"/>
           </a:p>
@@ -2315,7 +2315,7 @@
           <a:p>
             <a:fld id="{055EE58B-8F6C-43A7-A911-7D8234F55819}" type="datetime1">
               <a:rPr lang="nl-NL" smtClean="0"/>
-              <a:t>15-6-2025</a:t>
+              <a:t>16-6-2025</a:t>
             </a:fld>
             <a:endParaRPr lang="nl-NL"/>
           </a:p>
@@ -2730,7 +2730,7 @@
           <a:p>
             <a:fld id="{375BE52F-7FA8-44AC-9747-741263BCD65B}" type="datetime1">
               <a:rPr lang="nl-NL" smtClean="0"/>
-              <a:t>15-6-2025</a:t>
+              <a:t>16-6-2025</a:t>
             </a:fld>
             <a:endParaRPr lang="nl-NL"/>
           </a:p>
@@ -2971,7 +2971,7 @@
           <a:p>
             <a:fld id="{8F8C33D5-4176-4243-A50F-89AB06BF36EC}" type="datetime1">
               <a:rPr lang="nl-NL" smtClean="0"/>
-              <a:t>15-6-2025</a:t>
+              <a:t>16-6-2025</a:t>
             </a:fld>
             <a:endParaRPr lang="nl-NL"/>
           </a:p>
@@ -3206,7 +3206,7 @@
           <a:p>
             <a:fld id="{22245798-79D4-4830-861D-FA49CA45C3E8}" type="datetime1">
               <a:rPr lang="nl-NL" smtClean="0"/>
-              <a:t>15-6-2025</a:t>
+              <a:t>16-6-2025</a:t>
             </a:fld>
             <a:endParaRPr lang="nl-NL"/>
           </a:p>
@@ -3400,7 +3400,7 @@
           <a:p>
             <a:fld id="{174EB76F-6730-43C5-87A6-3D7DA7C8DB70}" type="datetime1">
               <a:rPr lang="nl-NL" smtClean="0"/>
-              <a:t>15-6-2025</a:t>
+              <a:t>16-6-2025</a:t>
             </a:fld>
             <a:endParaRPr lang="nl-NL"/>
           </a:p>
@@ -3498,7 +3498,7 @@
           <a:p>
             <a:fld id="{75182DC2-97F8-44CE-9BE1-5387DAC42622}" type="datetime1">
               <a:rPr lang="nl-NL" smtClean="0"/>
-              <a:t>15-6-2025</a:t>
+              <a:t>16-6-2025</a:t>
             </a:fld>
             <a:endParaRPr lang="nl-NL"/>
           </a:p>
@@ -3633,7 +3633,7 @@
           <a:p>
             <a:fld id="{D2205445-981F-4A99-8B32-8D36F324D3C0}" type="datetime1">
               <a:rPr lang="nl-NL" smtClean="0"/>
-              <a:t>15-6-2025</a:t>
+              <a:t>16-6-2025</a:t>
             </a:fld>
             <a:endParaRPr lang="nl-NL"/>
           </a:p>
@@ -4150,7 +4150,7 @@
           <a:p>
             <a:fld id="{3D0D7F33-AA17-4443-9D97-3D4560FCB324}" type="datetime1">
               <a:rPr lang="nl-NL" smtClean="0"/>
-              <a:t>15-6-2025</a:t>
+              <a:t>16-6-2025</a:t>
             </a:fld>
             <a:endParaRPr lang="nl-NL"/>
           </a:p>
@@ -4409,7 +4409,7 @@
           <a:p>
             <a:fld id="{05402B3B-E493-4206-98BA-2F963B979671}" type="datetime1">
               <a:rPr lang="nl-NL" smtClean="0"/>
-              <a:t>15-6-2025</a:t>
+              <a:t>16-6-2025</a:t>
             </a:fld>
             <a:endParaRPr lang="nl-NL"/>
           </a:p>
@@ -5156,8 +5156,8 @@
           </a:p>
         </p:txBody>
       </p:sp>
-      <mc:AlternateContent xmlns:mc="http://schemas.openxmlformats.org/markup-compatibility/2006">
-        <mc:Choice xmlns:a14="http://schemas.microsoft.com/office/drawing/2010/main" Requires="a14">
+      <mc:AlternateContent xmlns:mc="http://schemas.openxmlformats.org/markup-compatibility/2006" xmlns:a14="http://schemas.microsoft.com/office/drawing/2010/main">
+        <mc:Choice Requires="a14">
           <p:sp>
             <p:nvSpPr>
               <p:cNvPr id="5" name="Tijdelijke aanduiding voor inhoud 4"/>
@@ -6160,7 +6160,7 @@
             </p:txBody>
           </p:sp>
         </mc:Choice>
-        <mc:Fallback>
+        <mc:Fallback xmlns="">
           <p:sp>
             <p:nvSpPr>
               <p:cNvPr id="5" name="Tijdelijke aanduiding voor inhoud 4"/>
@@ -6388,8 +6388,8 @@
           </a:p>
         </p:txBody>
       </p:sp>
-      <mc:AlternateContent xmlns:mc="http://schemas.openxmlformats.org/markup-compatibility/2006">
-        <mc:Choice xmlns:a14="http://schemas.microsoft.com/office/drawing/2010/main" Requires="a14">
+      <mc:AlternateContent xmlns:mc="http://schemas.openxmlformats.org/markup-compatibility/2006" xmlns:a14="http://schemas.microsoft.com/office/drawing/2010/main">
+        <mc:Choice Requires="a14">
           <p:sp>
             <p:nvSpPr>
               <p:cNvPr id="5" name="Tijdelijke aanduiding voor inhoud 4"/>
@@ -7214,7 +7214,7 @@
             </p:txBody>
           </p:sp>
         </mc:Choice>
-        <mc:Fallback>
+        <mc:Fallback xmlns="">
           <p:sp>
             <p:nvSpPr>
               <p:cNvPr id="5" name="Tijdelijke aanduiding voor inhoud 4"/>
@@ -7841,8 +7841,8 @@
           </a:p>
         </p:txBody>
       </p:sp>
-      <mc:AlternateContent xmlns:mc="http://schemas.openxmlformats.org/markup-compatibility/2006">
-        <mc:Choice xmlns:a14="http://schemas.microsoft.com/office/drawing/2010/main" Requires="a14">
+      <mc:AlternateContent xmlns:mc="http://schemas.openxmlformats.org/markup-compatibility/2006" xmlns:a14="http://schemas.microsoft.com/office/drawing/2010/main">
+        <mc:Choice Requires="a14">
           <p:sp>
             <p:nvSpPr>
               <p:cNvPr id="5" name="Tijdelijke aanduiding voor inhoud 4"/>
@@ -8765,7 +8765,7 @@
             </p:txBody>
           </p:sp>
         </mc:Choice>
-        <mc:Fallback>
+        <mc:Fallback xmlns="">
           <p:sp>
             <p:nvSpPr>
               <p:cNvPr id="5" name="Tijdelijke aanduiding voor inhoud 4"/>
@@ -9451,8 +9451,8 @@
           </a:p>
         </p:txBody>
       </p:sp>
-      <mc:AlternateContent xmlns:mc="http://schemas.openxmlformats.org/markup-compatibility/2006">
-        <mc:Choice xmlns:a14="http://schemas.microsoft.com/office/drawing/2010/main" Requires="a14">
+      <mc:AlternateContent xmlns:mc="http://schemas.openxmlformats.org/markup-compatibility/2006" xmlns:a14="http://schemas.microsoft.com/office/drawing/2010/main">
+        <mc:Choice Requires="a14">
           <p:sp>
             <p:nvSpPr>
               <p:cNvPr id="5" name="Tijdelijke aanduiding voor inhoud 4"/>
@@ -10498,7 +10498,7 @@
             </p:txBody>
           </p:sp>
         </mc:Choice>
-        <mc:Fallback>
+        <mc:Fallback xmlns="">
           <p:sp>
             <p:nvSpPr>
               <p:cNvPr id="5" name="Tijdelijke aanduiding voor inhoud 4"/>
@@ -14707,8 +14707,8 @@
           </a:p>
         </p:txBody>
       </p:sp>
-      <mc:AlternateContent xmlns:mc="http://schemas.openxmlformats.org/markup-compatibility/2006">
-        <mc:Choice xmlns:a14="http://schemas.microsoft.com/office/drawing/2010/main" Requires="a14">
+      <mc:AlternateContent xmlns:mc="http://schemas.openxmlformats.org/markup-compatibility/2006" xmlns:a14="http://schemas.microsoft.com/office/drawing/2010/main">
+        <mc:Choice Requires="a14">
           <p:sp>
             <p:nvSpPr>
               <p:cNvPr id="3" name="Tijdelijke aanduiding voor inhoud 2"/>
@@ -15642,7 +15642,7 @@
             </p:txBody>
           </p:sp>
         </mc:Choice>
-        <mc:Fallback>
+        <mc:Fallback xmlns="">
           <p:sp>
             <p:nvSpPr>
               <p:cNvPr id="3" name="Tijdelijke aanduiding voor inhoud 2"/>
@@ -16933,8 +16933,8 @@
           </a:p>
         </p:txBody>
       </p:sp>
-      <mc:AlternateContent xmlns:mc="http://schemas.openxmlformats.org/markup-compatibility/2006">
-        <mc:Choice xmlns:a14="http://schemas.microsoft.com/office/drawing/2010/main" Requires="a14">
+      <mc:AlternateContent xmlns:mc="http://schemas.openxmlformats.org/markup-compatibility/2006" xmlns:a14="http://schemas.microsoft.com/office/drawing/2010/main">
+        <mc:Choice Requires="a14">
           <p:sp>
             <p:nvSpPr>
               <p:cNvPr id="3" name="Tijdelijke aanduiding voor inhoud 2"/>
@@ -17235,7 +17235,7 @@
             </p:txBody>
           </p:sp>
         </mc:Choice>
-        <mc:Fallback>
+        <mc:Fallback xmlns="">
           <p:sp>
             <p:nvSpPr>
               <p:cNvPr id="3" name="Tijdelijke aanduiding voor inhoud 2"/>
@@ -23314,8 +23314,8 @@
           </a:p>
         </p:txBody>
       </p:sp>
-      <mc:AlternateContent xmlns:mc="http://schemas.openxmlformats.org/markup-compatibility/2006">
-        <mc:Choice xmlns:a14="http://schemas.microsoft.com/office/drawing/2010/main" Requires="a14">
+      <mc:AlternateContent xmlns:mc="http://schemas.openxmlformats.org/markup-compatibility/2006" xmlns:a14="http://schemas.microsoft.com/office/drawing/2010/main">
+        <mc:Choice Requires="a14">
           <p:sp>
             <p:nvSpPr>
               <p:cNvPr id="3" name="Tijdelijke aanduiding voor inhoud 2"/>
@@ -24346,7 +24346,7 @@
             </p:txBody>
           </p:sp>
         </mc:Choice>
-        <mc:Fallback>
+        <mc:Fallback xmlns="">
           <p:sp>
             <p:nvSpPr>
               <p:cNvPr id="3" name="Tijdelijke aanduiding voor inhoud 2"/>
@@ -24774,8 +24774,8 @@
           </a:p>
         </p:txBody>
       </p:sp>
-      <mc:AlternateContent xmlns:mc="http://schemas.openxmlformats.org/markup-compatibility/2006">
-        <mc:Choice xmlns:a14="http://schemas.microsoft.com/office/drawing/2010/main" Requires="a14">
+      <mc:AlternateContent xmlns:mc="http://schemas.openxmlformats.org/markup-compatibility/2006" xmlns:a14="http://schemas.microsoft.com/office/drawing/2010/main">
+        <mc:Choice Requires="a14">
           <p:sp>
             <p:nvSpPr>
               <p:cNvPr id="3" name="Tijdelijke aanduiding voor inhoud 2"/>
@@ -25653,7 +25653,7 @@
             </p:txBody>
           </p:sp>
         </mc:Choice>
-        <mc:Fallback>
+        <mc:Fallback xmlns="">
           <p:sp>
             <p:nvSpPr>
               <p:cNvPr id="3" name="Tijdelijke aanduiding voor inhoud 2"/>
@@ -27147,7 +27147,7 @@
                 <a:ea typeface="Calibri" panose="020F0502020204030204" pitchFamily="34" charset="0"/>
                 <a:cs typeface="Calibri" panose="020F0502020204030204" pitchFamily="34" charset="0"/>
               </a:rPr>
-              <a:t>Brightspace materials:</a:t>
+              <a:t>GitHub repo:</a:t>
             </a:r>
             <a:endParaRPr lang="nl-NL" dirty="0">
               <a:latin typeface="Calibri" panose="020F0502020204030204" pitchFamily="34" charset="0"/>
@@ -27689,8 +27689,8 @@
           </a:p>
         </p:txBody>
       </p:sp>
-      <mc:AlternateContent xmlns:mc="http://schemas.openxmlformats.org/markup-compatibility/2006">
-        <mc:Choice xmlns:a14="http://schemas.microsoft.com/office/drawing/2010/main" Requires="a14">
+      <mc:AlternateContent xmlns:mc="http://schemas.openxmlformats.org/markup-compatibility/2006" xmlns:a14="http://schemas.microsoft.com/office/drawing/2010/main">
+        <mc:Choice Requires="a14">
           <p:sp>
             <p:nvSpPr>
               <p:cNvPr id="9" name="Tijdelijke aanduiding voor inhoud 2"/>
@@ -28153,7 +28153,7 @@
             </p:txBody>
           </p:sp>
         </mc:Choice>
-        <mc:Fallback>
+        <mc:Fallback xmlns="">
           <p:sp>
             <p:nvSpPr>
               <p:cNvPr id="9" name="Tijdelijke aanduiding voor inhoud 2"/>
@@ -28501,8 +28501,8 @@
           </a:p>
         </p:txBody>
       </p:sp>
-      <mc:AlternateContent xmlns:mc="http://schemas.openxmlformats.org/markup-compatibility/2006">
-        <mc:Choice xmlns:a14="http://schemas.microsoft.com/office/drawing/2010/main" Requires="a14">
+      <mc:AlternateContent xmlns:mc="http://schemas.openxmlformats.org/markup-compatibility/2006" xmlns:a14="http://schemas.microsoft.com/office/drawing/2010/main">
+        <mc:Choice Requires="a14">
           <p:sp>
             <p:nvSpPr>
               <p:cNvPr id="3" name="Tijdelijke aanduiding voor inhoud 2"/>
@@ -28673,7 +28673,7 @@
             </p:txBody>
           </p:sp>
         </mc:Choice>
-        <mc:Fallback>
+        <mc:Fallback xmlns="">
           <p:sp>
             <p:nvSpPr>
               <p:cNvPr id="3" name="Tijdelijke aanduiding voor inhoud 2"/>
@@ -30367,8 +30367,8 @@
           </a:prstGeom>
         </p:spPr>
       </p:pic>
-      <mc:AlternateContent xmlns:mc="http://schemas.openxmlformats.org/markup-compatibility/2006">
-        <mc:Choice xmlns:a14="http://schemas.microsoft.com/office/drawing/2010/main" Requires="a14">
+      <mc:AlternateContent xmlns:mc="http://schemas.openxmlformats.org/markup-compatibility/2006" xmlns:a14="http://schemas.microsoft.com/office/drawing/2010/main">
+        <mc:Choice Requires="a14">
           <p:sp>
             <p:nvSpPr>
               <p:cNvPr id="7" name="TextBox 6"/>
@@ -30564,7 +30564,7 @@
             </p:txBody>
           </p:sp>
         </mc:Choice>
-        <mc:Fallback>
+        <mc:Fallback xmlns="">
           <p:sp>
             <p:nvSpPr>
               <p:cNvPr id="7" name="TextBox 6"/>
@@ -30603,8 +30603,8 @@
           </p:sp>
         </mc:Fallback>
       </mc:AlternateContent>
-      <mc:AlternateContent xmlns:mc="http://schemas.openxmlformats.org/markup-compatibility/2006">
-        <mc:Choice xmlns:a14="http://schemas.microsoft.com/office/drawing/2010/main" Requires="a14">
+      <mc:AlternateContent xmlns:mc="http://schemas.openxmlformats.org/markup-compatibility/2006" xmlns:a14="http://schemas.microsoft.com/office/drawing/2010/main">
+        <mc:Choice Requires="a14">
           <p:sp>
             <p:nvSpPr>
               <p:cNvPr id="8" name="TextBox 7"/>
@@ -30812,7 +30812,7 @@
             </p:txBody>
           </p:sp>
         </mc:Choice>
-        <mc:Fallback>
+        <mc:Fallback xmlns="">
           <p:sp>
             <p:nvSpPr>
               <p:cNvPr id="8" name="TextBox 7"/>
@@ -31530,8 +31530,8 @@
           </a:p>
         </p:txBody>
       </p:sp>
-      <mc:AlternateContent xmlns:mc="http://schemas.openxmlformats.org/markup-compatibility/2006">
-        <mc:Choice xmlns:a14="http://schemas.microsoft.com/office/drawing/2010/main" Requires="a14">
+      <mc:AlternateContent xmlns:mc="http://schemas.openxmlformats.org/markup-compatibility/2006" xmlns:a14="http://schemas.microsoft.com/office/drawing/2010/main">
+        <mc:Choice Requires="a14">
           <p:sp>
             <p:nvSpPr>
               <p:cNvPr id="3" name="Tijdelijke aanduiding voor inhoud 2"/>
@@ -32269,7 +32269,7 @@
             </p:txBody>
           </p:sp>
         </mc:Choice>
-        <mc:Fallback>
+        <mc:Fallback xmlns="">
           <p:sp>
             <p:nvSpPr>
               <p:cNvPr id="3" name="Tijdelijke aanduiding voor inhoud 2"/>
@@ -35449,7 +35449,7 @@
                 <a:ea typeface="Calibri" panose="020F0502020204030204" pitchFamily="34" charset="0"/>
                 <a:cs typeface="Calibri" panose="020F0502020204030204" pitchFamily="34" charset="0"/>
               </a:rPr>
-              <a:t> </a:t>
+              <a:t> and </a:t>
             </a:r>
             <a:r>
               <a:rPr lang="nl-NL" dirty="0" err="1">
@@ -35457,7 +35457,7 @@
                 <a:ea typeface="Calibri" panose="020F0502020204030204" pitchFamily="34" charset="0"/>
                 <a:cs typeface="Calibri" panose="020F0502020204030204" pitchFamily="34" charset="0"/>
               </a:rPr>
-              <a:t>and</a:t>
+              <a:t>from</a:t>
             </a:r>
             <a:r>
               <a:rPr lang="nl-NL" dirty="0">
@@ -35465,7 +35465,7 @@
                 <a:ea typeface="Calibri" panose="020F0502020204030204" pitchFamily="34" charset="0"/>
                 <a:cs typeface="Calibri" panose="020F0502020204030204" pitchFamily="34" charset="0"/>
               </a:rPr>
-              <a:t> </a:t>
+              <a:t> GitHub </a:t>
             </a:r>
             <a:r>
               <a:rPr lang="nl-NL" dirty="0" err="1">
@@ -35473,23 +35473,7 @@
                 <a:ea typeface="Calibri" panose="020F0502020204030204" pitchFamily="34" charset="0"/>
                 <a:cs typeface="Calibri" panose="020F0502020204030204" pitchFamily="34" charset="0"/>
               </a:rPr>
-              <a:t>from</a:t>
-            </a:r>
-            <a:r>
-              <a:rPr lang="nl-NL" dirty="0">
-                <a:latin typeface="Calibri" panose="020F0502020204030204" pitchFamily="34" charset="0"/>
-                <a:ea typeface="Calibri" panose="020F0502020204030204" pitchFamily="34" charset="0"/>
-                <a:cs typeface="Calibri" panose="020F0502020204030204" pitchFamily="34" charset="0"/>
-              </a:rPr>
-              <a:t> </a:t>
-            </a:r>
-            <a:r>
-              <a:rPr lang="nl-NL" dirty="0" err="1">
-                <a:latin typeface="Calibri" panose="020F0502020204030204" pitchFamily="34" charset="0"/>
-                <a:ea typeface="Calibri" panose="020F0502020204030204" pitchFamily="34" charset="0"/>
-                <a:cs typeface="Calibri" panose="020F0502020204030204" pitchFamily="34" charset="0"/>
-              </a:rPr>
-              <a:t>Brightspace</a:t>
+              <a:t>repo</a:t>
             </a:r>
             <a:r>
               <a:rPr lang="nl-NL" dirty="0">
@@ -37468,7 +37452,7 @@
                 <a:ea typeface="Calibri" panose="020F0502020204030204" pitchFamily="34" charset="0"/>
                 <a:cs typeface="Calibri" panose="020F0502020204030204" pitchFamily="34" charset="0"/>
               </a:rPr>
-              <a:t>Exercises 2.2 and 2.3 (see PDF on Brightspace)</a:t>
+              <a:t>Exercises 2.2 and 2.3 (see PDF on GitHub repo)</a:t>
             </a:r>
           </a:p>
           <a:p>
@@ -37478,7 +37462,7 @@
                 <a:ea typeface="Calibri" panose="020F0502020204030204" pitchFamily="34" charset="0"/>
                 <a:cs typeface="Calibri" panose="020F0502020204030204" pitchFamily="34" charset="0"/>
               </a:rPr>
-              <a:t>See Example-2.4.1.pdf on Brightspace for instructions on extracting beta and psi matrices </a:t>
+              <a:t>See Example-2.4.1.pdf on GitHub repo for instructions on extracting beta and psi matrices </a:t>
             </a:r>
           </a:p>
         </p:txBody>
@@ -41393,8 +41377,8 @@
           </a:p>
         </p:txBody>
       </p:sp>
-      <mc:AlternateContent xmlns:mc="http://schemas.openxmlformats.org/markup-compatibility/2006">
-        <mc:Choice xmlns:a14="http://schemas.microsoft.com/office/drawing/2010/main" Requires="a14">
+      <mc:AlternateContent xmlns:mc="http://schemas.openxmlformats.org/markup-compatibility/2006" xmlns:a14="http://schemas.microsoft.com/office/drawing/2010/main">
+        <mc:Choice Requires="a14">
           <p:sp>
             <p:nvSpPr>
               <p:cNvPr id="5" name="Tijdelijke aanduiding voor inhoud 4"/>
@@ -42193,7 +42177,7 @@
             </p:txBody>
           </p:sp>
         </mc:Choice>
-        <mc:Fallback>
+        <mc:Fallback xmlns="">
           <p:sp>
             <p:nvSpPr>
               <p:cNvPr id="5" name="Tijdelijke aanduiding voor inhoud 4"/>
